--- a/毕业设计/毕设演示.pptx
+++ b/毕业设计/毕设演示.pptx
@@ -7,6 +7,20 @@
   <p:sldIdLst>
     <p:sldId id="256" r:id="rId3"/>
     <p:sldId id="257" r:id="rId4"/>
+    <p:sldId id="260" r:id="rId5"/>
+    <p:sldId id="258" r:id="rId6"/>
+    <p:sldId id="259" r:id="rId7"/>
+    <p:sldId id="263" r:id="rId8"/>
+    <p:sldId id="265" r:id="rId9"/>
+    <p:sldId id="266" r:id="rId10"/>
+    <p:sldId id="267" r:id="rId11"/>
+    <p:sldId id="264" r:id="rId12"/>
+    <p:sldId id="268" r:id="rId13"/>
+    <p:sldId id="269" r:id="rId14"/>
+    <p:sldId id="270" r:id="rId15"/>
+    <p:sldId id="271" r:id="rId16"/>
+    <p:sldId id="273" r:id="rId17"/>
+    <p:sldId id="274" r:id="rId18"/>
   </p:sldIdLst>
   <p:sldSz cx="12192000" cy="6858000"/>
   <p:notesSz cx="6858000" cy="9144000"/>
@@ -1093,7 +1107,7 @@
                     <a:lumOff val="60000"/>
                   </a:schemeClr>
                 </a:solidFill>
-                <a:latin typeface="Arial" panose="02080604020202020204" charset="0"/>
+                <a:latin typeface="Arial" charset="0"/>
                 <a:ea typeface="+mj-ea"/>
                 <a:cs typeface="+mj-cs"/>
               </a:defRPr>
@@ -1140,7 +1154,7 @@
                     <a:lumOff val="60000"/>
                   </a:schemeClr>
                 </a:solidFill>
-                <a:latin typeface="Arial" panose="02080604020202020204" charset="0"/>
+                <a:latin typeface="Arial" charset="0"/>
                 <a:ea typeface="+mj-ea"/>
                 <a:cs typeface="+mj-cs"/>
               </a:defRPr>
@@ -6074,6 +6088,602 @@
 </p:sld>
 </file>
 
+<file path=ppt/slides/slide10.xml><?xml version="1.0" encoding="utf-8"?>
+<p:sld xmlns:a="http://schemas.openxmlformats.org/drawingml/2006/main" xmlns:r="http://schemas.openxmlformats.org/officeDocument/2006/relationships" xmlns:p="http://schemas.openxmlformats.org/presentationml/2006/main">
+  <p:cSld>
+    <p:spTree>
+      <p:nvGrpSpPr>
+        <p:cNvPr id="1" name=""/>
+        <p:cNvGrpSpPr/>
+        <p:nvPr/>
+      </p:nvGrpSpPr>
+      <p:grpSpPr/>
+      <p:sp>
+        <p:nvSpPr>
+          <p:cNvPr id="2" name="标题 1"/>
+          <p:cNvSpPr>
+            <a:spLocks noGrp="1"/>
+          </p:cNvSpPr>
+          <p:nvPr>
+            <p:ph type="title"/>
+          </p:nvPr>
+        </p:nvSpPr>
+        <p:spPr/>
+        <p:txBody>
+          <a:bodyPr/>
+          <a:p>
+            <a:r>
+              <a:rPr lang="x-none" altLang="zh-CN"/>
+              <a:t>餐厅后台管理之订单管理</a:t>
+            </a:r>
+            <a:endParaRPr lang="x-none" altLang="zh-CN"/>
+          </a:p>
+        </p:txBody>
+      </p:sp>
+      <p:sp>
+        <p:nvSpPr>
+          <p:cNvPr id="3" name="内容占位符 2"/>
+          <p:cNvSpPr>
+            <a:spLocks noGrp="1"/>
+          </p:cNvSpPr>
+          <p:nvPr>
+            <p:ph idx="1"/>
+          </p:nvPr>
+        </p:nvSpPr>
+        <p:spPr/>
+        <p:txBody>
+          <a:bodyPr/>
+          <a:p>
+            <a:r>
+              <a:rPr lang="x-none" altLang="zh-CN"/>
+              <a:t>订单管理选择列表</a:t>
+            </a:r>
+            <a:endParaRPr lang="x-none" altLang="zh-CN"/>
+          </a:p>
+          <a:p>
+            <a:endParaRPr lang="x-none" altLang="zh-CN"/>
+          </a:p>
+        </p:txBody>
+      </p:sp>
+      <p:pic>
+        <p:nvPicPr>
+          <p:cNvPr id="4" name="图片 3"/>
+          <p:cNvPicPr>
+            <a:picLocks noChangeAspect="1"/>
+          </p:cNvPicPr>
+          <p:nvPr/>
+        </p:nvPicPr>
+        <p:blipFill>
+          <a:blip r:embed="rId1"/>
+          <a:stretch>
+            <a:fillRect/>
+          </a:stretch>
+        </p:blipFill>
+        <p:spPr>
+          <a:xfrm>
+            <a:off x="1438910" y="2563495"/>
+            <a:ext cx="7277735" cy="3314700"/>
+          </a:xfrm>
+          <a:prstGeom prst="rect">
+            <a:avLst/>
+          </a:prstGeom>
+        </p:spPr>
+      </p:pic>
+    </p:spTree>
+  </p:cSld>
+  <p:clrMapOvr>
+    <a:masterClrMapping/>
+  </p:clrMapOvr>
+</p:sld>
+</file>
+
+<file path=ppt/slides/slide11.xml><?xml version="1.0" encoding="utf-8"?>
+<p:sld xmlns:a="http://schemas.openxmlformats.org/drawingml/2006/main" xmlns:r="http://schemas.openxmlformats.org/officeDocument/2006/relationships" xmlns:p="http://schemas.openxmlformats.org/presentationml/2006/main">
+  <p:cSld>
+    <p:spTree>
+      <p:nvGrpSpPr>
+        <p:cNvPr id="1" name=""/>
+        <p:cNvGrpSpPr/>
+        <p:nvPr/>
+      </p:nvGrpSpPr>
+      <p:grpSpPr/>
+      <p:sp>
+        <p:nvSpPr>
+          <p:cNvPr id="2" name="标题 1"/>
+          <p:cNvSpPr>
+            <a:spLocks noGrp="1"/>
+          </p:cNvSpPr>
+          <p:nvPr>
+            <p:ph type="title"/>
+          </p:nvPr>
+        </p:nvSpPr>
+        <p:spPr/>
+        <p:txBody>
+          <a:bodyPr/>
+          <a:p>
+            <a:r>
+              <a:rPr lang="x-none" altLang="zh-CN"/>
+              <a:t>订单管理</a:t>
+            </a:r>
+            <a:endParaRPr lang="x-none" altLang="zh-CN"/>
+          </a:p>
+        </p:txBody>
+      </p:sp>
+      <p:sp>
+        <p:nvSpPr>
+          <p:cNvPr id="3" name="内容占位符 2"/>
+          <p:cNvSpPr>
+            <a:spLocks noGrp="1"/>
+          </p:cNvSpPr>
+          <p:nvPr>
+            <p:ph idx="1"/>
+          </p:nvPr>
+        </p:nvSpPr>
+        <p:spPr/>
+        <p:txBody>
+          <a:bodyPr/>
+          <a:p>
+            <a:r>
+              <a:rPr lang="x-none" altLang="zh-CN"/>
+              <a:t>查询订单历史</a:t>
+            </a:r>
+            <a:endParaRPr lang="x-none" altLang="zh-CN"/>
+          </a:p>
+          <a:p>
+            <a:endParaRPr lang="x-none" altLang="zh-CN"/>
+          </a:p>
+        </p:txBody>
+      </p:sp>
+      <p:pic>
+        <p:nvPicPr>
+          <p:cNvPr id="4" name="图片 3"/>
+          <p:cNvPicPr>
+            <a:picLocks noChangeAspect="1"/>
+          </p:cNvPicPr>
+          <p:nvPr/>
+        </p:nvPicPr>
+        <p:blipFill>
+          <a:blip r:embed="rId1"/>
+          <a:stretch>
+            <a:fillRect/>
+          </a:stretch>
+        </p:blipFill>
+        <p:spPr>
+          <a:xfrm>
+            <a:off x="1406525" y="2650490"/>
+            <a:ext cx="8321040" cy="3173730"/>
+          </a:xfrm>
+          <a:prstGeom prst="rect">
+            <a:avLst/>
+          </a:prstGeom>
+        </p:spPr>
+      </p:pic>
+    </p:spTree>
+  </p:cSld>
+  <p:clrMapOvr>
+    <a:masterClrMapping/>
+  </p:clrMapOvr>
+</p:sld>
+</file>
+
+<file path=ppt/slides/slide12.xml><?xml version="1.0" encoding="utf-8"?>
+<p:sld xmlns:a="http://schemas.openxmlformats.org/drawingml/2006/main" xmlns:r="http://schemas.openxmlformats.org/officeDocument/2006/relationships" xmlns:p="http://schemas.openxmlformats.org/presentationml/2006/main">
+  <p:cSld>
+    <p:spTree>
+      <p:nvGrpSpPr>
+        <p:cNvPr id="1" name=""/>
+        <p:cNvGrpSpPr/>
+        <p:nvPr/>
+      </p:nvGrpSpPr>
+      <p:grpSpPr/>
+      <p:sp>
+        <p:nvSpPr>
+          <p:cNvPr id="2" name="标题 1"/>
+          <p:cNvSpPr>
+            <a:spLocks noGrp="1"/>
+          </p:cNvSpPr>
+          <p:nvPr>
+            <p:ph type="title"/>
+          </p:nvPr>
+        </p:nvSpPr>
+        <p:spPr/>
+        <p:txBody>
+          <a:bodyPr/>
+          <a:p>
+            <a:r>
+              <a:rPr lang="x-none" altLang="zh-CN"/>
+              <a:t>餐厅后台管理之财务管理</a:t>
+            </a:r>
+            <a:endParaRPr lang="x-none" altLang="zh-CN"/>
+          </a:p>
+        </p:txBody>
+      </p:sp>
+      <p:sp>
+        <p:nvSpPr>
+          <p:cNvPr id="3" name="内容占位符 2"/>
+          <p:cNvSpPr>
+            <a:spLocks noGrp="1"/>
+          </p:cNvSpPr>
+          <p:nvPr>
+            <p:ph idx="1"/>
+          </p:nvPr>
+        </p:nvSpPr>
+        <p:spPr/>
+        <p:txBody>
+          <a:bodyPr/>
+          <a:p>
+            <a:r>
+              <a:rPr lang="x-none" altLang="zh-CN"/>
+              <a:t>财务管理选择列表</a:t>
+            </a:r>
+            <a:endParaRPr lang="x-none" altLang="zh-CN"/>
+          </a:p>
+          <a:p>
+            <a:endParaRPr lang="x-none" altLang="zh-CN"/>
+          </a:p>
+        </p:txBody>
+      </p:sp>
+      <p:pic>
+        <p:nvPicPr>
+          <p:cNvPr id="4" name="图片 3"/>
+          <p:cNvPicPr>
+            <a:picLocks noChangeAspect="1"/>
+          </p:cNvPicPr>
+          <p:nvPr/>
+        </p:nvPicPr>
+        <p:blipFill>
+          <a:blip r:embed="rId1"/>
+          <a:stretch>
+            <a:fillRect/>
+          </a:stretch>
+        </p:blipFill>
+        <p:spPr>
+          <a:xfrm>
+            <a:off x="1387475" y="2603500"/>
+            <a:ext cx="7876540" cy="3539490"/>
+          </a:xfrm>
+          <a:prstGeom prst="rect">
+            <a:avLst/>
+          </a:prstGeom>
+        </p:spPr>
+      </p:pic>
+    </p:spTree>
+  </p:cSld>
+  <p:clrMapOvr>
+    <a:masterClrMapping/>
+  </p:clrMapOvr>
+</p:sld>
+</file>
+
+<file path=ppt/slides/slide13.xml><?xml version="1.0" encoding="utf-8"?>
+<p:sld xmlns:a="http://schemas.openxmlformats.org/drawingml/2006/main" xmlns:r="http://schemas.openxmlformats.org/officeDocument/2006/relationships" xmlns:p="http://schemas.openxmlformats.org/presentationml/2006/main">
+  <p:cSld>
+    <p:spTree>
+      <p:nvGrpSpPr>
+        <p:cNvPr id="1" name=""/>
+        <p:cNvGrpSpPr/>
+        <p:nvPr/>
+      </p:nvGrpSpPr>
+      <p:grpSpPr/>
+      <p:sp>
+        <p:nvSpPr>
+          <p:cNvPr id="2" name="标题 1"/>
+          <p:cNvSpPr>
+            <a:spLocks noGrp="1"/>
+          </p:cNvSpPr>
+          <p:nvPr>
+            <p:ph type="title"/>
+          </p:nvPr>
+        </p:nvSpPr>
+        <p:spPr/>
+        <p:txBody>
+          <a:bodyPr/>
+          <a:p>
+            <a:r>
+              <a:rPr lang="x-none" altLang="zh-CN"/>
+              <a:t>餐厅后台管理之人事管理</a:t>
+            </a:r>
+            <a:endParaRPr lang="x-none" altLang="zh-CN"/>
+          </a:p>
+        </p:txBody>
+      </p:sp>
+      <p:sp>
+        <p:nvSpPr>
+          <p:cNvPr id="3" name="内容占位符 2"/>
+          <p:cNvSpPr>
+            <a:spLocks noGrp="1"/>
+          </p:cNvSpPr>
+          <p:nvPr>
+            <p:ph idx="1"/>
+          </p:nvPr>
+        </p:nvSpPr>
+        <p:spPr/>
+        <p:txBody>
+          <a:bodyPr/>
+          <a:p>
+            <a:r>
+              <a:rPr lang="x-none" altLang="zh-CN"/>
+              <a:t>人事管理操作</a:t>
+            </a:r>
+            <a:endParaRPr lang="x-none" altLang="zh-CN"/>
+          </a:p>
+          <a:p>
+            <a:endParaRPr lang="x-none" altLang="zh-CN"/>
+          </a:p>
+        </p:txBody>
+      </p:sp>
+      <p:pic>
+        <p:nvPicPr>
+          <p:cNvPr id="4" name="图片 3"/>
+          <p:cNvPicPr>
+            <a:picLocks noChangeAspect="1"/>
+          </p:cNvPicPr>
+          <p:nvPr/>
+        </p:nvPicPr>
+        <p:blipFill>
+          <a:blip r:embed="rId1"/>
+          <a:stretch>
+            <a:fillRect/>
+          </a:stretch>
+        </p:blipFill>
+        <p:spPr>
+          <a:xfrm>
+            <a:off x="1610995" y="2535555"/>
+            <a:ext cx="7295515" cy="4102100"/>
+          </a:xfrm>
+          <a:prstGeom prst="rect">
+            <a:avLst/>
+          </a:prstGeom>
+        </p:spPr>
+      </p:pic>
+    </p:spTree>
+  </p:cSld>
+  <p:clrMapOvr>
+    <a:masterClrMapping/>
+  </p:clrMapOvr>
+</p:sld>
+</file>
+
+<file path=ppt/slides/slide14.xml><?xml version="1.0" encoding="utf-8"?>
+<p:sld xmlns:a="http://schemas.openxmlformats.org/drawingml/2006/main" xmlns:r="http://schemas.openxmlformats.org/officeDocument/2006/relationships" xmlns:p="http://schemas.openxmlformats.org/presentationml/2006/main">
+  <p:cSld>
+    <p:spTree>
+      <p:nvGrpSpPr>
+        <p:cNvPr id="1" name=""/>
+        <p:cNvGrpSpPr/>
+        <p:nvPr/>
+      </p:nvGrpSpPr>
+      <p:grpSpPr/>
+      <p:sp>
+        <p:nvSpPr>
+          <p:cNvPr id="2" name="标题 1"/>
+          <p:cNvSpPr>
+            <a:spLocks noGrp="1"/>
+          </p:cNvSpPr>
+          <p:nvPr>
+            <p:ph type="title"/>
+          </p:nvPr>
+        </p:nvSpPr>
+        <p:spPr/>
+        <p:txBody>
+          <a:bodyPr/>
+          <a:p>
+            <a:r>
+              <a:rPr lang="x-none" altLang="zh-CN"/>
+              <a:t>餐厅管理之厨师端</a:t>
+            </a:r>
+            <a:endParaRPr lang="x-none" altLang="zh-CN"/>
+          </a:p>
+        </p:txBody>
+      </p:sp>
+      <p:sp>
+        <p:nvSpPr>
+          <p:cNvPr id="3" name="内容占位符 2"/>
+          <p:cNvSpPr>
+            <a:spLocks noGrp="1"/>
+          </p:cNvSpPr>
+          <p:nvPr>
+            <p:ph idx="1"/>
+          </p:nvPr>
+        </p:nvSpPr>
+        <p:spPr/>
+        <p:txBody>
+          <a:bodyPr/>
+          <a:p>
+            <a:r>
+              <a:rPr lang="x-none" altLang="zh-CN"/>
+              <a:t>厨师查看订单</a:t>
+            </a:r>
+            <a:endParaRPr lang="x-none" altLang="zh-CN"/>
+          </a:p>
+        </p:txBody>
+      </p:sp>
+      <p:pic>
+        <p:nvPicPr>
+          <p:cNvPr id="4" name="图片 3"/>
+          <p:cNvPicPr>
+            <a:picLocks noChangeAspect="1"/>
+          </p:cNvPicPr>
+          <p:nvPr/>
+        </p:nvPicPr>
+        <p:blipFill>
+          <a:blip r:embed="rId1"/>
+          <a:stretch>
+            <a:fillRect/>
+          </a:stretch>
+        </p:blipFill>
+        <p:spPr>
+          <a:xfrm>
+            <a:off x="1679575" y="2682875"/>
+            <a:ext cx="6663055" cy="3745865"/>
+          </a:xfrm>
+          <a:prstGeom prst="rect">
+            <a:avLst/>
+          </a:prstGeom>
+        </p:spPr>
+      </p:pic>
+    </p:spTree>
+  </p:cSld>
+  <p:clrMapOvr>
+    <a:masterClrMapping/>
+  </p:clrMapOvr>
+</p:sld>
+</file>
+
+<file path=ppt/slides/slide15.xml><?xml version="1.0" encoding="utf-8"?>
+<p:sld xmlns:a="http://schemas.openxmlformats.org/drawingml/2006/main" xmlns:r="http://schemas.openxmlformats.org/officeDocument/2006/relationships" xmlns:p="http://schemas.openxmlformats.org/presentationml/2006/main">
+  <p:cSld>
+    <p:spTree>
+      <p:nvGrpSpPr>
+        <p:cNvPr id="1" name=""/>
+        <p:cNvGrpSpPr/>
+        <p:nvPr/>
+      </p:nvGrpSpPr>
+      <p:grpSpPr/>
+      <p:sp>
+        <p:nvSpPr>
+          <p:cNvPr id="2" name="标题 1"/>
+          <p:cNvSpPr>
+            <a:spLocks noGrp="1"/>
+          </p:cNvSpPr>
+          <p:nvPr>
+            <p:ph type="title"/>
+          </p:nvPr>
+        </p:nvSpPr>
+        <p:spPr/>
+        <p:txBody>
+          <a:bodyPr/>
+          <a:p>
+            <a:r>
+              <a:rPr lang="x-none" altLang="zh-CN"/>
+              <a:t>餐厅管理之顾客端</a:t>
+            </a:r>
+            <a:endParaRPr lang="x-none" altLang="zh-CN"/>
+          </a:p>
+        </p:txBody>
+      </p:sp>
+      <p:sp>
+        <p:nvSpPr>
+          <p:cNvPr id="3" name="内容占位符 2"/>
+          <p:cNvSpPr>
+            <a:spLocks noGrp="1"/>
+          </p:cNvSpPr>
+          <p:nvPr>
+            <p:ph idx="1"/>
+          </p:nvPr>
+        </p:nvSpPr>
+        <p:spPr/>
+        <p:txBody>
+          <a:bodyPr/>
+          <a:p>
+            <a:r>
+              <a:rPr lang="x-none" altLang="zh-CN"/>
+              <a:t>菜单列表</a:t>
+            </a:r>
+            <a:endParaRPr lang="x-none" altLang="zh-CN"/>
+          </a:p>
+          <a:p>
+            <a:endParaRPr lang="x-none" altLang="zh-CN"/>
+          </a:p>
+        </p:txBody>
+      </p:sp>
+      <p:pic>
+        <p:nvPicPr>
+          <p:cNvPr id="4" name="图片 3"/>
+          <p:cNvPicPr>
+            <a:picLocks noChangeAspect="1"/>
+          </p:cNvPicPr>
+          <p:nvPr/>
+        </p:nvPicPr>
+        <p:blipFill>
+          <a:blip r:embed="rId1"/>
+          <a:stretch>
+            <a:fillRect/>
+          </a:stretch>
+        </p:blipFill>
+        <p:spPr>
+          <a:xfrm>
+            <a:off x="1456690" y="2510155"/>
+            <a:ext cx="6628130" cy="3726815"/>
+          </a:xfrm>
+          <a:prstGeom prst="rect">
+            <a:avLst/>
+          </a:prstGeom>
+        </p:spPr>
+      </p:pic>
+    </p:spTree>
+  </p:cSld>
+  <p:clrMapOvr>
+    <a:masterClrMapping/>
+  </p:clrMapOvr>
+</p:sld>
+</file>
+
+<file path=ppt/slides/slide16.xml><?xml version="1.0" encoding="utf-8"?>
+<p:sld xmlns:a="http://schemas.openxmlformats.org/drawingml/2006/main" xmlns:r="http://schemas.openxmlformats.org/officeDocument/2006/relationships" xmlns:p="http://schemas.openxmlformats.org/presentationml/2006/main">
+  <p:cSld>
+    <p:spTree>
+      <p:nvGrpSpPr>
+        <p:cNvPr id="1" name=""/>
+        <p:cNvGrpSpPr/>
+        <p:nvPr/>
+      </p:nvGrpSpPr>
+      <p:grpSpPr/>
+      <p:sp>
+        <p:nvSpPr>
+          <p:cNvPr id="2" name="标题 1"/>
+          <p:cNvSpPr>
+            <a:spLocks noGrp="1"/>
+          </p:cNvSpPr>
+          <p:nvPr>
+            <p:ph type="title"/>
+          </p:nvPr>
+        </p:nvSpPr>
+        <p:spPr/>
+        <p:txBody>
+          <a:bodyPr/>
+          <a:p>
+            <a:endParaRPr lang="x-none" altLang="zh-CN"/>
+          </a:p>
+        </p:txBody>
+      </p:sp>
+      <p:sp>
+        <p:nvSpPr>
+          <p:cNvPr id="3" name="内容占位符 2"/>
+          <p:cNvSpPr>
+            <a:spLocks noGrp="1"/>
+          </p:cNvSpPr>
+          <p:nvPr>
+            <p:ph idx="1"/>
+          </p:nvPr>
+        </p:nvSpPr>
+        <p:spPr/>
+        <p:txBody>
+          <a:bodyPr/>
+          <a:p>
+            <a:r>
+              <a:rPr lang="x-none" altLang="zh-CN" sz="6000"/>
+              <a:t>ppt到此结束，谢谢！</a:t>
+            </a:r>
+            <a:endParaRPr lang="x-none" altLang="zh-CN" sz="6000"/>
+          </a:p>
+          <a:p>
+            <a:r>
+              <a:rPr lang="x-none" altLang="zh-CN" sz="6000"/>
+              <a:t>     </a:t>
+            </a:r>
+            <a:endParaRPr lang="x-none" altLang="zh-CN" sz="6000"/>
+          </a:p>
+        </p:txBody>
+      </p:sp>
+    </p:spTree>
+  </p:cSld>
+  <p:clrMapOvr>
+    <a:masterClrMapping/>
+  </p:clrMapOvr>
+</p:sld>
+</file>
+
 <file path=ppt/slides/slide2.xml><?xml version="1.0" encoding="utf-8"?>
 <p:sld xmlns:a="http://schemas.openxmlformats.org/drawingml/2006/main" xmlns:r="http://schemas.openxmlformats.org/officeDocument/2006/relationships" xmlns:p="http://schemas.openxmlformats.org/presentationml/2006/main">
   <p:cSld>
@@ -6124,18 +6734,1270 @@
             <p:ph idx="1"/>
           </p:nvPr>
         </p:nvSpPr>
-        <p:spPr/>
-        <p:txBody>
-          <a:bodyPr/>
+        <p:spPr>
+          <a:xfrm>
+            <a:off x="875201" y="1853248"/>
+            <a:ext cx="8946541" cy="4195481"/>
+          </a:xfrm>
+        </p:spPr>
+        <p:txBody>
+          <a:bodyPr>
+            <a:normAutofit/>
+          </a:bodyPr>
           <a:lstStyle/>
           <a:p>
             <a:pPr marL="0" indent="0">
               <a:buNone/>
             </a:pPr>
-            <a:endParaRPr lang="zh-CN" altLang="en-US"/>
-          </a:p>
-        </p:txBody>
-      </p:sp>
+            <a:r>
+              <a:rPr lang="en-US" altLang="zh-CN" sz="2400" dirty="0" smtClean="0">
+                <a:latin typeface="仿宋" panose="02010609060101010101" pitchFamily="49" charset="-122"/>
+                <a:ea typeface="仿宋" panose="02010609060101010101" pitchFamily="49" charset="-122"/>
+              </a:rPr>
+              <a:t>2016</a:t>
+            </a:r>
+            <a:r>
+              <a:rPr lang="zh-CN" altLang="en-US" sz="2400" dirty="0" smtClean="0">
+                <a:latin typeface="仿宋" panose="02010609060101010101" pitchFamily="49" charset="-122"/>
+                <a:ea typeface="仿宋" panose="02010609060101010101" pitchFamily="49" charset="-122"/>
+              </a:rPr>
+              <a:t>年</a:t>
+            </a:r>
+            <a:r>
+              <a:rPr lang="en-US" altLang="zh-CN" sz="2400" dirty="0" smtClean="0">
+                <a:latin typeface="仿宋" panose="02010609060101010101" pitchFamily="49" charset="-122"/>
+                <a:ea typeface="仿宋" panose="02010609060101010101" pitchFamily="49" charset="-122"/>
+              </a:rPr>
+              <a:t>11</a:t>
+            </a:r>
+            <a:r>
+              <a:rPr lang="zh-CN" altLang="en-US" sz="2400" dirty="0" smtClean="0">
+                <a:latin typeface="仿宋" panose="02010609060101010101" pitchFamily="49" charset="-122"/>
+                <a:ea typeface="仿宋" panose="02010609060101010101" pitchFamily="49" charset="-122"/>
+              </a:rPr>
+              <a:t>月</a:t>
+            </a:r>
+            <a:endParaRPr lang="en-US" altLang="zh-CN" sz="2400" dirty="0" smtClean="0">
+              <a:latin typeface="仿宋" panose="02010609060101010101" pitchFamily="49" charset="-122"/>
+              <a:ea typeface="仿宋" panose="02010609060101010101" pitchFamily="49" charset="-122"/>
+            </a:endParaRPr>
+          </a:p>
+          <a:p>
+            <a:pPr marL="0" indent="0">
+              <a:buNone/>
+            </a:pPr>
+            <a:r>
+              <a:rPr lang="en-US" altLang="zh-CN" sz="2400" dirty="0">
+                <a:latin typeface="仿宋" panose="02010609060101010101" pitchFamily="49" charset="-122"/>
+                <a:ea typeface="仿宋" panose="02010609060101010101" pitchFamily="49" charset="-122"/>
+              </a:rPr>
+              <a:t> </a:t>
+            </a:r>
+            <a:r>
+              <a:rPr lang="en-US" altLang="zh-CN" sz="2400" dirty="0" smtClean="0">
+                <a:latin typeface="仿宋" panose="02010609060101010101" pitchFamily="49" charset="-122"/>
+                <a:ea typeface="仿宋" panose="02010609060101010101" pitchFamily="49" charset="-122"/>
+              </a:rPr>
+              <a:t>  </a:t>
+            </a:r>
+            <a:r>
+              <a:rPr lang="zh-CN" altLang="en-US" sz="2400" dirty="0" smtClean="0">
+                <a:latin typeface="仿宋" panose="02010609060101010101" pitchFamily="49" charset="-122"/>
+                <a:ea typeface="仿宋" panose="02010609060101010101" pitchFamily="49" charset="-122"/>
+              </a:rPr>
+              <a:t>准备毕设题目，候选的题目有：停车场车辆管理系统，餐厅管理系统。</a:t>
+            </a:r>
+            <a:endParaRPr lang="en-US" altLang="zh-CN" sz="2400" dirty="0" smtClean="0">
+              <a:latin typeface="仿宋" panose="02010609060101010101" pitchFamily="49" charset="-122"/>
+              <a:ea typeface="仿宋" panose="02010609060101010101" pitchFamily="49" charset="-122"/>
+            </a:endParaRPr>
+          </a:p>
+          <a:p>
+            <a:pPr marL="0" indent="0">
+              <a:buNone/>
+            </a:pPr>
+            <a:r>
+              <a:rPr lang="en-US" altLang="zh-CN" sz="2400" dirty="0" smtClean="0">
+                <a:latin typeface="仿宋" panose="02010609060101010101" pitchFamily="49" charset="-122"/>
+                <a:ea typeface="仿宋" panose="02010609060101010101" pitchFamily="49" charset="-122"/>
+              </a:rPr>
+              <a:t>2016</a:t>
+            </a:r>
+            <a:r>
+              <a:rPr lang="zh-CN" altLang="en-US" sz="2400" dirty="0" smtClean="0">
+                <a:latin typeface="仿宋" panose="02010609060101010101" pitchFamily="49" charset="-122"/>
+                <a:ea typeface="仿宋" panose="02010609060101010101" pitchFamily="49" charset="-122"/>
+              </a:rPr>
+              <a:t>年</a:t>
+            </a:r>
+            <a:r>
+              <a:rPr lang="en-US" altLang="zh-CN" sz="2400" dirty="0" smtClean="0">
+                <a:latin typeface="仿宋" panose="02010609060101010101" pitchFamily="49" charset="-122"/>
+                <a:ea typeface="仿宋" panose="02010609060101010101" pitchFamily="49" charset="-122"/>
+              </a:rPr>
+              <a:t>12</a:t>
+            </a:r>
+            <a:r>
+              <a:rPr lang="zh-CN" altLang="en-US" sz="2400" dirty="0" smtClean="0">
+                <a:latin typeface="仿宋" panose="02010609060101010101" pitchFamily="49" charset="-122"/>
+                <a:ea typeface="仿宋" panose="02010609060101010101" pitchFamily="49" charset="-122"/>
+              </a:rPr>
+              <a:t>月</a:t>
+            </a:r>
+            <a:endParaRPr lang="en-US" altLang="zh-CN" sz="2400" dirty="0" smtClean="0">
+              <a:latin typeface="仿宋" panose="02010609060101010101" pitchFamily="49" charset="-122"/>
+              <a:ea typeface="仿宋" panose="02010609060101010101" pitchFamily="49" charset="-122"/>
+            </a:endParaRPr>
+          </a:p>
+          <a:p>
+            <a:pPr marL="0" indent="0">
+              <a:buNone/>
+            </a:pPr>
+            <a:r>
+              <a:rPr lang="en-US" altLang="zh-CN" sz="2400" dirty="0">
+                <a:latin typeface="仿宋" panose="02010609060101010101" pitchFamily="49" charset="-122"/>
+                <a:ea typeface="仿宋" panose="02010609060101010101" pitchFamily="49" charset="-122"/>
+              </a:rPr>
+              <a:t> </a:t>
+            </a:r>
+            <a:r>
+              <a:rPr lang="en-US" altLang="zh-CN" sz="2400" dirty="0" smtClean="0">
+                <a:latin typeface="仿宋" panose="02010609060101010101" pitchFamily="49" charset="-122"/>
+                <a:ea typeface="仿宋" panose="02010609060101010101" pitchFamily="49" charset="-122"/>
+              </a:rPr>
+              <a:t>  </a:t>
+            </a:r>
+            <a:r>
+              <a:rPr lang="zh-CN" altLang="en-US" sz="2400" dirty="0" smtClean="0">
+                <a:latin typeface="仿宋" panose="02010609060101010101" pitchFamily="49" charset="-122"/>
+                <a:ea typeface="仿宋" panose="02010609060101010101" pitchFamily="49" charset="-122"/>
+              </a:rPr>
+              <a:t>确定毕设题目为：餐厅管理系统。并开始准备需求分析的编写。</a:t>
+            </a:r>
+            <a:endParaRPr lang="en-US" altLang="zh-CN" sz="2400" dirty="0" smtClean="0">
+              <a:latin typeface="仿宋" panose="02010609060101010101" pitchFamily="49" charset="-122"/>
+              <a:ea typeface="仿宋" panose="02010609060101010101" pitchFamily="49" charset="-122"/>
+            </a:endParaRPr>
+          </a:p>
+          <a:p>
+            <a:pPr marL="0" indent="0">
+              <a:buNone/>
+            </a:pPr>
+            <a:r>
+              <a:rPr lang="en-US" altLang="zh-CN" sz="2400" dirty="0" smtClean="0">
+                <a:latin typeface="仿宋" panose="02010609060101010101" pitchFamily="49" charset="-122"/>
+                <a:ea typeface="仿宋" panose="02010609060101010101" pitchFamily="49" charset="-122"/>
+              </a:rPr>
+              <a:t>2016</a:t>
+            </a:r>
+            <a:r>
+              <a:rPr lang="zh-CN" altLang="en-US" sz="2400" dirty="0" smtClean="0">
+                <a:latin typeface="仿宋" panose="02010609060101010101" pitchFamily="49" charset="-122"/>
+                <a:ea typeface="仿宋" panose="02010609060101010101" pitchFamily="49" charset="-122"/>
+              </a:rPr>
+              <a:t>年</a:t>
+            </a:r>
+            <a:r>
+              <a:rPr lang="en-US" altLang="zh-CN" sz="2400" dirty="0" smtClean="0">
+                <a:latin typeface="仿宋" panose="02010609060101010101" pitchFamily="49" charset="-122"/>
+                <a:ea typeface="仿宋" panose="02010609060101010101" pitchFamily="49" charset="-122"/>
+              </a:rPr>
+              <a:t>12</a:t>
+            </a:r>
+            <a:r>
+              <a:rPr lang="zh-CN" altLang="en-US" sz="2400" dirty="0" smtClean="0">
+                <a:latin typeface="仿宋" panose="02010609060101010101" pitchFamily="49" charset="-122"/>
+                <a:ea typeface="仿宋" panose="02010609060101010101" pitchFamily="49" charset="-122"/>
+              </a:rPr>
+              <a:t>月</a:t>
+            </a:r>
+            <a:endParaRPr lang="en-US" altLang="zh-CN" sz="2400" dirty="0" smtClean="0">
+              <a:latin typeface="仿宋" panose="02010609060101010101" pitchFamily="49" charset="-122"/>
+              <a:ea typeface="仿宋" panose="02010609060101010101" pitchFamily="49" charset="-122"/>
+            </a:endParaRPr>
+          </a:p>
+          <a:p>
+            <a:pPr marL="0" indent="0">
+              <a:buNone/>
+            </a:pPr>
+            <a:r>
+              <a:rPr lang="en-US" altLang="zh-CN" sz="2400" dirty="0">
+                <a:latin typeface="仿宋" panose="02010609060101010101" pitchFamily="49" charset="-122"/>
+                <a:ea typeface="仿宋" panose="02010609060101010101" pitchFamily="49" charset="-122"/>
+              </a:rPr>
+              <a:t> </a:t>
+            </a:r>
+            <a:r>
+              <a:rPr lang="en-US" altLang="zh-CN" sz="2400" dirty="0" smtClean="0">
+                <a:latin typeface="仿宋" panose="02010609060101010101" pitchFamily="49" charset="-122"/>
+                <a:ea typeface="仿宋" panose="02010609060101010101" pitchFamily="49" charset="-122"/>
+              </a:rPr>
+              <a:t>  </a:t>
+            </a:r>
+            <a:r>
+              <a:rPr lang="zh-CN" altLang="en-US" sz="2400" dirty="0" smtClean="0">
+                <a:latin typeface="仿宋" panose="02010609060101010101" pitchFamily="49" charset="-122"/>
+                <a:ea typeface="仿宋" panose="02010609060101010101" pitchFamily="49" charset="-122"/>
+              </a:rPr>
+              <a:t>确定使用</a:t>
+            </a:r>
+            <a:r>
+              <a:rPr lang="en-US" altLang="zh-CN" sz="2400" dirty="0" smtClean="0">
+                <a:latin typeface="仿宋" panose="02010609060101010101" pitchFamily="49" charset="-122"/>
+                <a:ea typeface="仿宋" panose="02010609060101010101" pitchFamily="49" charset="-122"/>
+              </a:rPr>
+              <a:t>Java</a:t>
+            </a:r>
+            <a:r>
+              <a:rPr lang="zh-CN" altLang="en-US" sz="2400" dirty="0" smtClean="0">
+                <a:latin typeface="仿宋" panose="02010609060101010101" pitchFamily="49" charset="-122"/>
+                <a:ea typeface="仿宋" panose="02010609060101010101" pitchFamily="49" charset="-122"/>
+              </a:rPr>
+              <a:t>开发语言进行毕设项目的开发。</a:t>
+            </a:r>
+            <a:endParaRPr lang="en-US" altLang="zh-CN" sz="2400" dirty="0" smtClean="0">
+              <a:latin typeface="仿宋" panose="02010609060101010101" pitchFamily="49" charset="-122"/>
+              <a:ea typeface="仿宋" panose="02010609060101010101" pitchFamily="49" charset="-122"/>
+            </a:endParaRPr>
+          </a:p>
+        </p:txBody>
+      </p:sp>
+    </p:spTree>
+  </p:cSld>
+  <p:clrMapOvr>
+    <a:masterClrMapping/>
+  </p:clrMapOvr>
+</p:sld>
+</file>
+
+<file path=ppt/slides/slide3.xml><?xml version="1.0" encoding="utf-8"?>
+<p:sld xmlns:a="http://schemas.openxmlformats.org/drawingml/2006/main" xmlns:r="http://schemas.openxmlformats.org/officeDocument/2006/relationships" xmlns:p="http://schemas.openxmlformats.org/presentationml/2006/main">
+  <p:cSld>
+    <p:spTree>
+      <p:nvGrpSpPr>
+        <p:cNvPr id="1" name=""/>
+        <p:cNvGrpSpPr/>
+        <p:nvPr/>
+      </p:nvGrpSpPr>
+      <p:grpSpPr>
+        <a:xfrm>
+          <a:off x="0" y="0"/>
+          <a:ext cx="0" cy="0"/>
+          <a:chOff x="0" y="0"/>
+          <a:chExt cx="0" cy="0"/>
+        </a:xfrm>
+      </p:grpSpPr>
+      <p:sp>
+        <p:nvSpPr>
+          <p:cNvPr id="2" name="标题 1"/>
+          <p:cNvSpPr>
+            <a:spLocks noGrp="1"/>
+          </p:cNvSpPr>
+          <p:nvPr>
+            <p:ph type="title"/>
+          </p:nvPr>
+        </p:nvSpPr>
+        <p:spPr/>
+        <p:txBody>
+          <a:bodyPr/>
+          <a:lstStyle/>
+          <a:p>
+            <a:r>
+              <a:rPr lang="zh-CN" altLang="en-US" dirty="0" smtClean="0"/>
+              <a:t>毕设项目文档的准备</a:t>
+            </a:r>
+            <a:endParaRPr lang="zh-CN" altLang="en-US" dirty="0"/>
+          </a:p>
+        </p:txBody>
+      </p:sp>
+      <p:sp>
+        <p:nvSpPr>
+          <p:cNvPr id="3" name="内容占位符 2"/>
+          <p:cNvSpPr>
+            <a:spLocks noGrp="1"/>
+          </p:cNvSpPr>
+          <p:nvPr>
+            <p:ph idx="1"/>
+          </p:nvPr>
+        </p:nvSpPr>
+        <p:spPr/>
+        <p:txBody>
+          <a:bodyPr>
+            <a:normAutofit/>
+          </a:bodyPr>
+          <a:lstStyle/>
+          <a:p>
+            <a:r>
+              <a:rPr lang="zh-CN" altLang="en-US" sz="2400" dirty="0" smtClean="0">
+                <a:latin typeface="仿宋" panose="02010609060101010101" pitchFamily="49" charset="-122"/>
+                <a:ea typeface="仿宋" panose="02010609060101010101" pitchFamily="49" charset="-122"/>
+              </a:rPr>
+              <a:t>系统需求概要设计</a:t>
+            </a:r>
+            <a:endParaRPr lang="en-US" altLang="zh-CN" sz="2400" dirty="0" smtClean="0">
+              <a:latin typeface="仿宋" panose="02010609060101010101" pitchFamily="49" charset="-122"/>
+              <a:ea typeface="仿宋" panose="02010609060101010101" pitchFamily="49" charset="-122"/>
+            </a:endParaRPr>
+          </a:p>
+          <a:p>
+            <a:r>
+              <a:rPr lang="en-US" altLang="zh-CN" sz="2400" dirty="0">
+                <a:latin typeface="仿宋" panose="02010609060101010101" pitchFamily="49" charset="-122"/>
+                <a:ea typeface="仿宋" panose="02010609060101010101" pitchFamily="49" charset="-122"/>
+              </a:rPr>
+              <a:t> </a:t>
+            </a:r>
+            <a:r>
+              <a:rPr lang="en-US" altLang="zh-CN" sz="2400" dirty="0" smtClean="0">
+                <a:latin typeface="仿宋" panose="02010609060101010101" pitchFamily="49" charset="-122"/>
+                <a:ea typeface="仿宋" panose="02010609060101010101" pitchFamily="49" charset="-122"/>
+              </a:rPr>
+              <a:t> </a:t>
+            </a:r>
+            <a:r>
+              <a:rPr lang="zh-CN" altLang="en-US" sz="2400" dirty="0" smtClean="0">
+                <a:latin typeface="仿宋" panose="02010609060101010101" pitchFamily="49" charset="-122"/>
+                <a:ea typeface="仿宋" panose="02010609060101010101" pitchFamily="49" charset="-122"/>
+              </a:rPr>
+              <a:t>完成系统需求的初步设计，确定系统的几个重要功能。</a:t>
+            </a:r>
+            <a:endParaRPr lang="en-US" altLang="zh-CN" sz="2400" dirty="0" smtClean="0">
+              <a:latin typeface="仿宋" panose="02010609060101010101" pitchFamily="49" charset="-122"/>
+              <a:ea typeface="仿宋" panose="02010609060101010101" pitchFamily="49" charset="-122"/>
+            </a:endParaRPr>
+          </a:p>
+          <a:p>
+            <a:r>
+              <a:rPr lang="en-US" altLang="zh-CN" sz="2400" dirty="0">
+                <a:latin typeface="仿宋" panose="02010609060101010101" pitchFamily="49" charset="-122"/>
+                <a:ea typeface="仿宋" panose="02010609060101010101" pitchFamily="49" charset="-122"/>
+              </a:rPr>
+              <a:t> </a:t>
+            </a:r>
+            <a:r>
+              <a:rPr lang="en-US" altLang="zh-CN" sz="2400" dirty="0" smtClean="0">
+                <a:latin typeface="仿宋" panose="02010609060101010101" pitchFamily="49" charset="-122"/>
+                <a:ea typeface="仿宋" panose="02010609060101010101" pitchFamily="49" charset="-122"/>
+              </a:rPr>
+              <a:t> </a:t>
+            </a:r>
+            <a:r>
+              <a:rPr lang="zh-CN" altLang="en-US" sz="2400" dirty="0" smtClean="0">
+                <a:latin typeface="仿宋" panose="02010609060101010101" pitchFamily="49" charset="-122"/>
+                <a:ea typeface="仿宋" panose="02010609060101010101" pitchFamily="49" charset="-122"/>
+              </a:rPr>
+              <a:t>简要设计餐厅后台管理的所需功能。简单设计日后完善</a:t>
+            </a:r>
+            <a:endParaRPr lang="en-US" altLang="zh-CN" sz="2400" dirty="0" smtClean="0">
+              <a:latin typeface="仿宋" panose="02010609060101010101" pitchFamily="49" charset="-122"/>
+              <a:ea typeface="仿宋" panose="02010609060101010101" pitchFamily="49" charset="-122"/>
+            </a:endParaRPr>
+          </a:p>
+          <a:p>
+            <a:endParaRPr lang="en-US" altLang="zh-CN" sz="2400" dirty="0" smtClean="0">
+              <a:latin typeface="仿宋" panose="02010609060101010101" pitchFamily="49" charset="-122"/>
+              <a:ea typeface="仿宋" panose="02010609060101010101" pitchFamily="49" charset="-122"/>
+            </a:endParaRPr>
+          </a:p>
+          <a:p>
+            <a:r>
+              <a:rPr lang="en-US" altLang="zh-CN" sz="2400" dirty="0">
+                <a:latin typeface="仿宋" panose="02010609060101010101" pitchFamily="49" charset="-122"/>
+                <a:ea typeface="仿宋" panose="02010609060101010101" pitchFamily="49" charset="-122"/>
+              </a:rPr>
+              <a:t> </a:t>
+            </a:r>
+            <a:r>
+              <a:rPr lang="en-US" altLang="zh-CN" sz="2400" dirty="0" smtClean="0">
+                <a:latin typeface="仿宋" panose="02010609060101010101" pitchFamily="49" charset="-122"/>
+                <a:ea typeface="仿宋" panose="02010609060101010101" pitchFamily="49" charset="-122"/>
+              </a:rPr>
+              <a:t> </a:t>
+            </a:r>
+            <a:endParaRPr lang="zh-CN" altLang="en-US" sz="2400" dirty="0">
+              <a:latin typeface="仿宋" panose="02010609060101010101" pitchFamily="49" charset="-122"/>
+              <a:ea typeface="仿宋" panose="02010609060101010101" pitchFamily="49" charset="-122"/>
+            </a:endParaRPr>
+          </a:p>
+        </p:txBody>
+      </p:sp>
+      <p:pic>
+        <p:nvPicPr>
+          <p:cNvPr id="4" name="图片 3"/>
+          <p:cNvPicPr>
+            <a:picLocks noChangeAspect="1"/>
+          </p:cNvPicPr>
+          <p:nvPr/>
+        </p:nvPicPr>
+        <p:blipFill>
+          <a:blip r:embed="rId1">
+            <a:extLst>
+              <a:ext uri="{28A0092B-C50C-407E-A947-70E740481C1C}">
+                <a14:useLocalDpi xmlns:a14="http://schemas.microsoft.com/office/drawing/2010/main" val="0"/>
+              </a:ext>
+            </a:extLst>
+          </a:blip>
+          <a:stretch>
+            <a:fillRect/>
+          </a:stretch>
+        </p:blipFill>
+        <p:spPr>
+          <a:xfrm>
+            <a:off x="2242271" y="3745058"/>
+            <a:ext cx="5530129" cy="2952394"/>
+          </a:xfrm>
+          <a:prstGeom prst="rect">
+            <a:avLst/>
+          </a:prstGeom>
+        </p:spPr>
+      </p:pic>
+    </p:spTree>
+  </p:cSld>
+  <p:clrMapOvr>
+    <a:masterClrMapping/>
+  </p:clrMapOvr>
+</p:sld>
+</file>
+
+<file path=ppt/slides/slide4.xml><?xml version="1.0" encoding="utf-8"?>
+<p:sld xmlns:a="http://schemas.openxmlformats.org/drawingml/2006/main" xmlns:r="http://schemas.openxmlformats.org/officeDocument/2006/relationships" xmlns:p="http://schemas.openxmlformats.org/presentationml/2006/main">
+  <p:cSld>
+    <p:spTree>
+      <p:nvGrpSpPr>
+        <p:cNvPr id="1" name=""/>
+        <p:cNvGrpSpPr/>
+        <p:nvPr/>
+      </p:nvGrpSpPr>
+      <p:grpSpPr>
+        <a:xfrm>
+          <a:off x="0" y="0"/>
+          <a:ext cx="0" cy="0"/>
+          <a:chOff x="0" y="0"/>
+          <a:chExt cx="0" cy="0"/>
+        </a:xfrm>
+      </p:grpSpPr>
+      <p:sp>
+        <p:nvSpPr>
+          <p:cNvPr id="2" name="标题 1"/>
+          <p:cNvSpPr>
+            <a:spLocks noGrp="1"/>
+          </p:cNvSpPr>
+          <p:nvPr>
+            <p:ph type="title"/>
+          </p:nvPr>
+        </p:nvSpPr>
+        <p:spPr/>
+        <p:txBody>
+          <a:bodyPr/>
+          <a:lstStyle/>
+          <a:p>
+            <a:r>
+              <a:rPr lang="zh-CN" altLang="en-US" dirty="0" smtClean="0"/>
+              <a:t>毕设开发环境的搭建</a:t>
+            </a:r>
+            <a:endParaRPr lang="zh-CN" altLang="en-US" dirty="0"/>
+          </a:p>
+        </p:txBody>
+      </p:sp>
+      <p:sp>
+        <p:nvSpPr>
+          <p:cNvPr id="3" name="内容占位符 2"/>
+          <p:cNvSpPr>
+            <a:spLocks noGrp="1"/>
+          </p:cNvSpPr>
+          <p:nvPr>
+            <p:ph idx="1"/>
+          </p:nvPr>
+        </p:nvSpPr>
+        <p:spPr/>
+        <p:txBody>
+          <a:bodyPr>
+            <a:normAutofit/>
+          </a:bodyPr>
+          <a:lstStyle/>
+          <a:p>
+            <a:r>
+              <a:rPr lang="zh-CN" altLang="en-US" sz="2400" dirty="0" smtClean="0">
+                <a:latin typeface="仿宋" panose="02010609060101010101" pitchFamily="49" charset="-122"/>
+                <a:ea typeface="仿宋" panose="02010609060101010101" pitchFamily="49" charset="-122"/>
+              </a:rPr>
+              <a:t>选择开发的环境</a:t>
+            </a:r>
+            <a:endParaRPr lang="en-US" altLang="zh-CN" sz="2400" dirty="0" smtClean="0">
+              <a:latin typeface="仿宋" panose="02010609060101010101" pitchFamily="49" charset="-122"/>
+              <a:ea typeface="仿宋" panose="02010609060101010101" pitchFamily="49" charset="-122"/>
+            </a:endParaRPr>
+          </a:p>
+          <a:p>
+            <a:r>
+              <a:rPr lang="en-US" altLang="zh-CN" sz="2400" dirty="0">
+                <a:latin typeface="仿宋" panose="02010609060101010101" pitchFamily="49" charset="-122"/>
+                <a:ea typeface="仿宋" panose="02010609060101010101" pitchFamily="49" charset="-122"/>
+              </a:rPr>
+              <a:t> </a:t>
+            </a:r>
+            <a:r>
+              <a:rPr lang="en-US" altLang="zh-CN" sz="2400" dirty="0" smtClean="0">
+                <a:latin typeface="仿宋" panose="02010609060101010101" pitchFamily="49" charset="-122"/>
+                <a:ea typeface="仿宋" panose="02010609060101010101" pitchFamily="49" charset="-122"/>
+              </a:rPr>
+              <a:t> </a:t>
+            </a:r>
+            <a:r>
+              <a:rPr lang="zh-CN" altLang="en-US" sz="2400" dirty="0" smtClean="0">
+                <a:latin typeface="仿宋" panose="02010609060101010101" pitchFamily="49" charset="-122"/>
+                <a:ea typeface="仿宋" panose="02010609060101010101" pitchFamily="49" charset="-122"/>
+              </a:rPr>
+              <a:t>在</a:t>
+            </a:r>
+            <a:r>
+              <a:rPr lang="en-US" altLang="zh-CN" sz="2400" dirty="0" smtClean="0">
+                <a:latin typeface="仿宋" panose="02010609060101010101" pitchFamily="49" charset="-122"/>
+                <a:ea typeface="仿宋" panose="02010609060101010101" pitchFamily="49" charset="-122"/>
+              </a:rPr>
+              <a:t>windows10 </a:t>
+            </a:r>
+            <a:r>
+              <a:rPr lang="zh-CN" altLang="en-US" sz="2400" dirty="0" smtClean="0">
+                <a:latin typeface="仿宋" panose="02010609060101010101" pitchFamily="49" charset="-122"/>
+                <a:ea typeface="仿宋" panose="02010609060101010101" pitchFamily="49" charset="-122"/>
+              </a:rPr>
+              <a:t>环境下，使用</a:t>
+            </a:r>
+            <a:r>
+              <a:rPr lang="en-US" altLang="zh-CN" sz="2400" dirty="0" smtClean="0">
+                <a:latin typeface="仿宋" panose="02010609060101010101" pitchFamily="49" charset="-122"/>
+                <a:ea typeface="仿宋" panose="02010609060101010101" pitchFamily="49" charset="-122"/>
+              </a:rPr>
+              <a:t>idea</a:t>
+            </a:r>
+            <a:r>
+              <a:rPr lang="zh-CN" altLang="en-US" sz="2400" dirty="0" smtClean="0">
+                <a:latin typeface="仿宋" panose="02010609060101010101" pitchFamily="49" charset="-122"/>
+                <a:ea typeface="仿宋" panose="02010609060101010101" pitchFamily="49" charset="-122"/>
+              </a:rPr>
+              <a:t>的集成开发环境</a:t>
+            </a:r>
+            <a:endParaRPr lang="en-US" altLang="zh-CN" sz="2400" dirty="0" smtClean="0">
+              <a:latin typeface="仿宋" panose="02010609060101010101" pitchFamily="49" charset="-122"/>
+              <a:ea typeface="仿宋" panose="02010609060101010101" pitchFamily="49" charset="-122"/>
+            </a:endParaRPr>
+          </a:p>
+          <a:p>
+            <a:r>
+              <a:rPr lang="en-US" altLang="zh-CN" sz="2400" dirty="0">
+                <a:latin typeface="仿宋" panose="02010609060101010101" pitchFamily="49" charset="-122"/>
+                <a:ea typeface="仿宋" panose="02010609060101010101" pitchFamily="49" charset="-122"/>
+              </a:rPr>
+              <a:t> </a:t>
+            </a:r>
+            <a:r>
+              <a:rPr lang="en-US" altLang="zh-CN" sz="2400" dirty="0" smtClean="0">
+                <a:latin typeface="仿宋" panose="02010609060101010101" pitchFamily="49" charset="-122"/>
+                <a:ea typeface="仿宋" panose="02010609060101010101" pitchFamily="49" charset="-122"/>
+              </a:rPr>
+              <a:t> </a:t>
+            </a:r>
+            <a:r>
+              <a:rPr lang="zh-CN" altLang="en-US" sz="2400" dirty="0" smtClean="0">
+                <a:latin typeface="仿宋" panose="02010609060101010101" pitchFamily="49" charset="-122"/>
+                <a:ea typeface="仿宋" panose="02010609060101010101" pitchFamily="49" charset="-122"/>
+              </a:rPr>
+              <a:t>使用</a:t>
+            </a:r>
+            <a:r>
+              <a:rPr lang="en-US" altLang="zh-CN" sz="2400" dirty="0" smtClean="0">
+                <a:latin typeface="仿宋" panose="02010609060101010101" pitchFamily="49" charset="-122"/>
+                <a:ea typeface="仿宋" panose="02010609060101010101" pitchFamily="49" charset="-122"/>
+              </a:rPr>
+              <a:t>jdk1.8</a:t>
+            </a:r>
+            <a:r>
+              <a:rPr lang="zh-CN" altLang="en-US" sz="2400" dirty="0" smtClean="0">
+                <a:latin typeface="仿宋" panose="02010609060101010101" pitchFamily="49" charset="-122"/>
+                <a:ea typeface="仿宋" panose="02010609060101010101" pitchFamily="49" charset="-122"/>
+              </a:rPr>
+              <a:t>作为</a:t>
+            </a:r>
+            <a:r>
+              <a:rPr lang="en-US" altLang="zh-CN" sz="2400" dirty="0" smtClean="0">
+                <a:latin typeface="仿宋" panose="02010609060101010101" pitchFamily="49" charset="-122"/>
+                <a:ea typeface="仿宋" panose="02010609060101010101" pitchFamily="49" charset="-122"/>
+              </a:rPr>
+              <a:t>Java</a:t>
+            </a:r>
+            <a:r>
+              <a:rPr lang="zh-CN" altLang="en-US" sz="2400" dirty="0" smtClean="0">
+                <a:latin typeface="仿宋" panose="02010609060101010101" pitchFamily="49" charset="-122"/>
+                <a:ea typeface="仿宋" panose="02010609060101010101" pitchFamily="49" charset="-122"/>
+              </a:rPr>
+              <a:t>语言的软件开发工具包。</a:t>
+            </a:r>
+            <a:endParaRPr lang="en-US" altLang="zh-CN" sz="2400" dirty="0" smtClean="0">
+              <a:latin typeface="仿宋" panose="02010609060101010101" pitchFamily="49" charset="-122"/>
+              <a:ea typeface="仿宋" panose="02010609060101010101" pitchFamily="49" charset="-122"/>
+            </a:endParaRPr>
+          </a:p>
+          <a:p>
+            <a:r>
+              <a:rPr lang="en-US" altLang="zh-CN" sz="2400" dirty="0">
+                <a:latin typeface="仿宋" panose="02010609060101010101" pitchFamily="49" charset="-122"/>
+                <a:ea typeface="仿宋" panose="02010609060101010101" pitchFamily="49" charset="-122"/>
+              </a:rPr>
+              <a:t> </a:t>
+            </a:r>
+            <a:r>
+              <a:rPr lang="en-US" altLang="zh-CN" sz="2400" dirty="0" smtClean="0">
+                <a:latin typeface="仿宋" panose="02010609060101010101" pitchFamily="49" charset="-122"/>
+                <a:ea typeface="仿宋" panose="02010609060101010101" pitchFamily="49" charset="-122"/>
+              </a:rPr>
+              <a:t> </a:t>
+            </a:r>
+            <a:r>
+              <a:rPr lang="zh-CN" altLang="en-US" sz="2400" dirty="0" smtClean="0">
+                <a:latin typeface="仿宋" panose="02010609060101010101" pitchFamily="49" charset="-122"/>
+                <a:ea typeface="仿宋" panose="02010609060101010101" pitchFamily="49" charset="-122"/>
+              </a:rPr>
+              <a:t>使用</a:t>
+            </a:r>
+            <a:r>
+              <a:rPr lang="en-US" altLang="zh-CN" sz="2400" dirty="0" smtClean="0">
+                <a:latin typeface="仿宋" panose="02010609060101010101" pitchFamily="49" charset="-122"/>
+                <a:ea typeface="仿宋" panose="02010609060101010101" pitchFamily="49" charset="-122"/>
+              </a:rPr>
+              <a:t>tomcat</a:t>
+            </a:r>
+            <a:r>
+              <a:rPr lang="zh-CN" altLang="en-US" sz="2400" dirty="0" smtClean="0">
+                <a:latin typeface="仿宋" panose="02010609060101010101" pitchFamily="49" charset="-122"/>
+                <a:ea typeface="仿宋" panose="02010609060101010101" pitchFamily="49" charset="-122"/>
+              </a:rPr>
+              <a:t>作为项目的服务器</a:t>
+            </a:r>
+            <a:endParaRPr lang="en-US" altLang="zh-CN" sz="2400" dirty="0" smtClean="0">
+              <a:latin typeface="仿宋" panose="02010609060101010101" pitchFamily="49" charset="-122"/>
+              <a:ea typeface="仿宋" panose="02010609060101010101" pitchFamily="49" charset="-122"/>
+            </a:endParaRPr>
+          </a:p>
+          <a:p>
+            <a:r>
+              <a:rPr lang="zh-CN" altLang="en-US" sz="2400" dirty="0" smtClean="0">
+                <a:latin typeface="仿宋" panose="02010609060101010101" pitchFamily="49" charset="-122"/>
+                <a:ea typeface="仿宋" panose="02010609060101010101" pitchFamily="49" charset="-122"/>
+              </a:rPr>
+              <a:t>选择开发框架</a:t>
+            </a:r>
+            <a:endParaRPr lang="en-US" altLang="zh-CN" sz="2400" dirty="0" smtClean="0">
+              <a:latin typeface="仿宋" panose="02010609060101010101" pitchFamily="49" charset="-122"/>
+              <a:ea typeface="仿宋" panose="02010609060101010101" pitchFamily="49" charset="-122"/>
+            </a:endParaRPr>
+          </a:p>
+          <a:p>
+            <a:r>
+              <a:rPr lang="en-US" altLang="zh-CN" sz="2400" dirty="0">
+                <a:latin typeface="仿宋" panose="02010609060101010101" pitchFamily="49" charset="-122"/>
+                <a:ea typeface="仿宋" panose="02010609060101010101" pitchFamily="49" charset="-122"/>
+              </a:rPr>
+              <a:t> </a:t>
+            </a:r>
+            <a:r>
+              <a:rPr lang="en-US" altLang="zh-CN" sz="2400" dirty="0" smtClean="0">
+                <a:latin typeface="仿宋" panose="02010609060101010101" pitchFamily="49" charset="-122"/>
+                <a:ea typeface="仿宋" panose="02010609060101010101" pitchFamily="49" charset="-122"/>
+              </a:rPr>
+              <a:t>  </a:t>
+            </a:r>
+            <a:r>
+              <a:rPr lang="zh-CN" altLang="en-US" sz="2400" dirty="0" smtClean="0">
+                <a:latin typeface="仿宋" panose="02010609060101010101" pitchFamily="49" charset="-122"/>
+                <a:ea typeface="仿宋" panose="02010609060101010101" pitchFamily="49" charset="-122"/>
+              </a:rPr>
+              <a:t>使用基于</a:t>
+            </a:r>
+            <a:r>
+              <a:rPr lang="en-US" altLang="zh-CN" sz="2400" dirty="0" err="1" smtClean="0">
+                <a:latin typeface="仿宋" panose="02010609060101010101" pitchFamily="49" charset="-122"/>
+                <a:ea typeface="仿宋" panose="02010609060101010101" pitchFamily="49" charset="-122"/>
+              </a:rPr>
+              <a:t>ssm</a:t>
+            </a:r>
+            <a:r>
+              <a:rPr lang="zh-CN" altLang="en-US" sz="2400" dirty="0" smtClean="0">
+                <a:latin typeface="仿宋" panose="02010609060101010101" pitchFamily="49" charset="-122"/>
+                <a:ea typeface="仿宋" panose="02010609060101010101" pitchFamily="49" charset="-122"/>
+              </a:rPr>
+              <a:t>的开发框架，即</a:t>
+            </a:r>
+            <a:r>
+              <a:rPr lang="en-US" altLang="zh-CN" sz="2400" dirty="0" err="1" smtClean="0">
+                <a:latin typeface="仿宋" panose="02010609060101010101" pitchFamily="49" charset="-122"/>
+                <a:ea typeface="仿宋" panose="02010609060101010101" pitchFamily="49" charset="-122"/>
+              </a:rPr>
+              <a:t>Spring+SpringMvc+mybatis</a:t>
+            </a:r>
+            <a:r>
+              <a:rPr lang="zh-CN" altLang="en-US" sz="2400" dirty="0" smtClean="0">
+                <a:latin typeface="仿宋" panose="02010609060101010101" pitchFamily="49" charset="-122"/>
+                <a:ea typeface="仿宋" panose="02010609060101010101" pitchFamily="49" charset="-122"/>
+              </a:rPr>
+              <a:t>。</a:t>
+            </a:r>
+            <a:endParaRPr lang="en-US" altLang="zh-CN" sz="2400" dirty="0" smtClean="0">
+              <a:latin typeface="仿宋" panose="02010609060101010101" pitchFamily="49" charset="-122"/>
+              <a:ea typeface="仿宋" panose="02010609060101010101" pitchFamily="49" charset="-122"/>
+            </a:endParaRPr>
+          </a:p>
+          <a:p>
+            <a:r>
+              <a:rPr lang="en-US" altLang="zh-CN" sz="2400" dirty="0">
+                <a:latin typeface="仿宋" panose="02010609060101010101" pitchFamily="49" charset="-122"/>
+                <a:ea typeface="仿宋" panose="02010609060101010101" pitchFamily="49" charset="-122"/>
+              </a:rPr>
+              <a:t> </a:t>
+            </a:r>
+            <a:r>
+              <a:rPr lang="en-US" altLang="zh-CN" sz="2400" dirty="0" smtClean="0">
+                <a:latin typeface="仿宋" panose="02010609060101010101" pitchFamily="49" charset="-122"/>
+                <a:ea typeface="仿宋" panose="02010609060101010101" pitchFamily="49" charset="-122"/>
+              </a:rPr>
+              <a:t>  </a:t>
+            </a:r>
+            <a:r>
+              <a:rPr lang="zh-CN" altLang="en-US" sz="2400" dirty="0" smtClean="0">
+                <a:latin typeface="仿宋" panose="02010609060101010101" pitchFamily="49" charset="-122"/>
+                <a:ea typeface="仿宋" panose="02010609060101010101" pitchFamily="49" charset="-122"/>
+              </a:rPr>
+              <a:t>前端的开发使用的技术主要使用</a:t>
+            </a:r>
+            <a:r>
+              <a:rPr lang="en-US" altLang="zh-CN" sz="2400" dirty="0" smtClean="0">
+                <a:latin typeface="仿宋" panose="02010609060101010101" pitchFamily="49" charset="-122"/>
+                <a:ea typeface="仿宋" panose="02010609060101010101" pitchFamily="49" charset="-122"/>
+              </a:rPr>
+              <a:t>bootstrap</a:t>
+            </a:r>
+            <a:r>
+              <a:rPr lang="zh-CN" altLang="en-US" sz="2400" dirty="0" smtClean="0">
+                <a:latin typeface="仿宋" panose="02010609060101010101" pitchFamily="49" charset="-122"/>
+                <a:ea typeface="仿宋" panose="02010609060101010101" pitchFamily="49" charset="-122"/>
+              </a:rPr>
+              <a:t>、</a:t>
+            </a:r>
+            <a:r>
+              <a:rPr lang="en-US" altLang="zh-CN" sz="2400" dirty="0" err="1" smtClean="0">
+                <a:latin typeface="仿宋" panose="02010609060101010101" pitchFamily="49" charset="-122"/>
+                <a:ea typeface="仿宋" panose="02010609060101010101" pitchFamily="49" charset="-122"/>
+              </a:rPr>
+              <a:t>jquery</a:t>
+            </a:r>
+            <a:r>
+              <a:rPr lang="zh-CN" altLang="en-US" sz="2400" dirty="0" smtClean="0">
+                <a:latin typeface="仿宋" panose="02010609060101010101" pitchFamily="49" charset="-122"/>
+                <a:ea typeface="仿宋" panose="02010609060101010101" pitchFamily="49" charset="-122"/>
+              </a:rPr>
+              <a:t>，        </a:t>
+            </a:r>
+            <a:r>
+              <a:rPr lang="en-US" altLang="zh-CN" sz="2400" dirty="0" err="1" smtClean="0">
+                <a:latin typeface="仿宋" panose="02010609060101010101" pitchFamily="49" charset="-122"/>
+                <a:ea typeface="仿宋" panose="02010609060101010101" pitchFamily="49" charset="-122"/>
+              </a:rPr>
+              <a:t>javascript</a:t>
+            </a:r>
+            <a:r>
+              <a:rPr lang="zh-CN" altLang="en-US" sz="2400" dirty="0" smtClean="0">
+                <a:latin typeface="仿宋" panose="02010609060101010101" pitchFamily="49" charset="-122"/>
+                <a:ea typeface="仿宋" panose="02010609060101010101" pitchFamily="49" charset="-122"/>
+              </a:rPr>
+              <a:t>等。</a:t>
+            </a:r>
+            <a:endParaRPr lang="zh-CN" altLang="en-US" sz="2400" dirty="0">
+              <a:latin typeface="仿宋" panose="02010609060101010101" pitchFamily="49" charset="-122"/>
+              <a:ea typeface="仿宋" panose="02010609060101010101" pitchFamily="49" charset="-122"/>
+            </a:endParaRPr>
+          </a:p>
+        </p:txBody>
+      </p:sp>
+    </p:spTree>
+  </p:cSld>
+  <p:clrMapOvr>
+    <a:masterClrMapping/>
+  </p:clrMapOvr>
+</p:sld>
+</file>
+
+<file path=ppt/slides/slide5.xml><?xml version="1.0" encoding="utf-8"?>
+<p:sld xmlns:a="http://schemas.openxmlformats.org/drawingml/2006/main" xmlns:r="http://schemas.openxmlformats.org/officeDocument/2006/relationships" xmlns:p="http://schemas.openxmlformats.org/presentationml/2006/main">
+  <p:cSld>
+    <p:spTree>
+      <p:nvGrpSpPr>
+        <p:cNvPr id="1" name=""/>
+        <p:cNvGrpSpPr/>
+        <p:nvPr/>
+      </p:nvGrpSpPr>
+      <p:grpSpPr>
+        <a:xfrm>
+          <a:off x="0" y="0"/>
+          <a:ext cx="0" cy="0"/>
+          <a:chOff x="0" y="0"/>
+          <a:chExt cx="0" cy="0"/>
+        </a:xfrm>
+      </p:grpSpPr>
+      <p:sp>
+        <p:nvSpPr>
+          <p:cNvPr id="2" name="标题 1"/>
+          <p:cNvSpPr>
+            <a:spLocks noGrp="1"/>
+          </p:cNvSpPr>
+          <p:nvPr>
+            <p:ph type="title"/>
+          </p:nvPr>
+        </p:nvSpPr>
+        <p:spPr/>
+        <p:txBody>
+          <a:bodyPr/>
+          <a:lstStyle/>
+          <a:p>
+            <a:r>
+              <a:rPr lang="zh-CN" altLang="en-US" dirty="0" smtClean="0"/>
+              <a:t>餐厅系统后台管理界面的编写</a:t>
+            </a:r>
+            <a:endParaRPr lang="zh-CN" altLang="en-US" dirty="0"/>
+          </a:p>
+        </p:txBody>
+      </p:sp>
+      <p:sp>
+        <p:nvSpPr>
+          <p:cNvPr id="3" name="内容占位符 2"/>
+          <p:cNvSpPr>
+            <a:spLocks noGrp="1"/>
+          </p:cNvSpPr>
+          <p:nvPr>
+            <p:ph idx="1"/>
+          </p:nvPr>
+        </p:nvSpPr>
+        <p:spPr/>
+        <p:txBody>
+          <a:bodyPr>
+            <a:normAutofit/>
+          </a:bodyPr>
+          <a:lstStyle/>
+          <a:p>
+            <a:r>
+              <a:rPr lang="zh-CN" altLang="en-US" sz="2400" dirty="0" smtClean="0">
+                <a:latin typeface="仿宋" panose="02010609060101010101" pitchFamily="49" charset="-122"/>
+                <a:ea typeface="仿宋" panose="02010609060101010101" pitchFamily="49" charset="-122"/>
+              </a:rPr>
+              <a:t>使用</a:t>
+            </a:r>
+            <a:r>
+              <a:rPr lang="en-US" altLang="zh-CN" sz="2400" dirty="0" smtClean="0">
+                <a:latin typeface="仿宋" panose="02010609060101010101" pitchFamily="49" charset="-122"/>
+                <a:ea typeface="仿宋" panose="02010609060101010101" pitchFamily="49" charset="-122"/>
+              </a:rPr>
+              <a:t>bootstrap</a:t>
+            </a:r>
+            <a:r>
+              <a:rPr lang="zh-CN" altLang="en-US" sz="2400" smtClean="0">
+                <a:latin typeface="仿宋" panose="02010609060101010101" pitchFamily="49" charset="-122"/>
+                <a:ea typeface="仿宋" panose="02010609060101010101" pitchFamily="49" charset="-122"/>
+              </a:rPr>
+              <a:t>前端框架搭建页面样式</a:t>
+            </a:r>
+            <a:endParaRPr lang="zh-CN" altLang="en-US" sz="2400" dirty="0">
+              <a:latin typeface="仿宋" panose="02010609060101010101" pitchFamily="49" charset="-122"/>
+              <a:ea typeface="仿宋" panose="02010609060101010101" pitchFamily="49" charset="-122"/>
+            </a:endParaRPr>
+          </a:p>
+        </p:txBody>
+      </p:sp>
+      <p:pic>
+        <p:nvPicPr>
+          <p:cNvPr id="4" name="图片 3"/>
+          <p:cNvPicPr>
+            <a:picLocks noChangeAspect="1"/>
+          </p:cNvPicPr>
+          <p:nvPr/>
+        </p:nvPicPr>
+        <p:blipFill>
+          <a:blip r:embed="rId1"/>
+          <a:stretch>
+            <a:fillRect/>
+          </a:stretch>
+        </p:blipFill>
+        <p:spPr>
+          <a:xfrm>
+            <a:off x="1542415" y="2656205"/>
+            <a:ext cx="6238240" cy="3507740"/>
+          </a:xfrm>
+          <a:prstGeom prst="rect">
+            <a:avLst/>
+          </a:prstGeom>
+        </p:spPr>
+      </p:pic>
+    </p:spTree>
+  </p:cSld>
+  <p:clrMapOvr>
+    <a:masterClrMapping/>
+  </p:clrMapOvr>
+</p:sld>
+</file>
+
+<file path=ppt/slides/slide6.xml><?xml version="1.0" encoding="utf-8"?>
+<p:sld xmlns:a="http://schemas.openxmlformats.org/drawingml/2006/main" xmlns:r="http://schemas.openxmlformats.org/officeDocument/2006/relationships" xmlns:p="http://schemas.openxmlformats.org/presentationml/2006/main">
+  <p:cSld>
+    <p:spTree>
+      <p:nvGrpSpPr>
+        <p:cNvPr id="1" name=""/>
+        <p:cNvGrpSpPr/>
+        <p:nvPr/>
+      </p:nvGrpSpPr>
+      <p:grpSpPr/>
+      <p:sp>
+        <p:nvSpPr>
+          <p:cNvPr id="2" name="标题 1"/>
+          <p:cNvSpPr>
+            <a:spLocks noGrp="1"/>
+          </p:cNvSpPr>
+          <p:nvPr>
+            <p:ph type="title"/>
+          </p:nvPr>
+        </p:nvSpPr>
+        <p:spPr/>
+        <p:txBody>
+          <a:bodyPr/>
+          <a:p>
+            <a:r>
+              <a:rPr lang="x-none" altLang="zh-CN"/>
+              <a:t>餐厅后台之菜单管理</a:t>
+            </a:r>
+            <a:endParaRPr lang="x-none" altLang="zh-CN"/>
+          </a:p>
+        </p:txBody>
+      </p:sp>
+      <p:sp>
+        <p:nvSpPr>
+          <p:cNvPr id="3" name="内容占位符 2"/>
+          <p:cNvSpPr>
+            <a:spLocks noGrp="1"/>
+          </p:cNvSpPr>
+          <p:nvPr>
+            <p:ph idx="1"/>
+          </p:nvPr>
+        </p:nvSpPr>
+        <p:spPr/>
+        <p:txBody>
+          <a:bodyPr/>
+          <a:p>
+            <a:r>
+              <a:rPr lang="x-none" altLang="zh-CN" sz="2400">
+                <a:latin typeface="+mj-ea"/>
+              </a:rPr>
+              <a:t>菜单操作的选项菜单</a:t>
+            </a:r>
+            <a:endParaRPr lang="x-none" altLang="zh-CN" sz="2400">
+              <a:latin typeface="+mj-ea"/>
+            </a:endParaRPr>
+          </a:p>
+          <a:p>
+            <a:endParaRPr lang="x-none" altLang="zh-CN" sz="2400">
+              <a:latin typeface="+mj-ea"/>
+            </a:endParaRPr>
+          </a:p>
+        </p:txBody>
+      </p:sp>
+      <p:pic>
+        <p:nvPicPr>
+          <p:cNvPr id="4" name="图片 3"/>
+          <p:cNvPicPr>
+            <a:picLocks noChangeAspect="1"/>
+          </p:cNvPicPr>
+          <p:nvPr/>
+        </p:nvPicPr>
+        <p:blipFill>
+          <a:blip r:embed="rId1"/>
+          <a:srcRect l="-428" t="2905" r="70359" b="-5542"/>
+          <a:stretch>
+            <a:fillRect/>
+          </a:stretch>
+        </p:blipFill>
+        <p:spPr>
+          <a:xfrm>
+            <a:off x="2530475" y="3022600"/>
+            <a:ext cx="4479290" cy="3163570"/>
+          </a:xfrm>
+          <a:prstGeom prst="rect">
+            <a:avLst/>
+          </a:prstGeom>
+        </p:spPr>
+      </p:pic>
+    </p:spTree>
+  </p:cSld>
+  <p:clrMapOvr>
+    <a:masterClrMapping/>
+  </p:clrMapOvr>
+</p:sld>
+</file>
+
+<file path=ppt/slides/slide7.xml><?xml version="1.0" encoding="utf-8"?>
+<p:sld xmlns:a="http://schemas.openxmlformats.org/drawingml/2006/main" xmlns:r="http://schemas.openxmlformats.org/officeDocument/2006/relationships" xmlns:p="http://schemas.openxmlformats.org/presentationml/2006/main">
+  <p:cSld>
+    <p:spTree>
+      <p:nvGrpSpPr>
+        <p:cNvPr id="1" name=""/>
+        <p:cNvGrpSpPr/>
+        <p:nvPr/>
+      </p:nvGrpSpPr>
+      <p:grpSpPr/>
+      <p:sp>
+        <p:nvSpPr>
+          <p:cNvPr id="2" name="标题 1"/>
+          <p:cNvSpPr>
+            <a:spLocks noGrp="1"/>
+          </p:cNvSpPr>
+          <p:nvPr>
+            <p:ph type="title"/>
+          </p:nvPr>
+        </p:nvSpPr>
+        <p:spPr/>
+        <p:txBody>
+          <a:bodyPr/>
+          <a:p>
+            <a:r>
+              <a:rPr lang="x-none" altLang="zh-CN"/>
+              <a:t>菜单管理</a:t>
+            </a:r>
+            <a:endParaRPr lang="x-none" altLang="zh-CN"/>
+          </a:p>
+        </p:txBody>
+      </p:sp>
+      <p:sp>
+        <p:nvSpPr>
+          <p:cNvPr id="3" name="内容占位符 2"/>
+          <p:cNvSpPr>
+            <a:spLocks noGrp="1"/>
+          </p:cNvSpPr>
+          <p:nvPr>
+            <p:ph idx="1"/>
+          </p:nvPr>
+        </p:nvSpPr>
+        <p:spPr/>
+        <p:txBody>
+          <a:bodyPr/>
+          <a:p>
+            <a:r>
+              <a:rPr lang="x-none" altLang="zh-CN"/>
+              <a:t>添加菜单类型页面</a:t>
+            </a:r>
+            <a:endParaRPr lang="x-none" altLang="zh-CN"/>
+          </a:p>
+          <a:p>
+            <a:endParaRPr lang="x-none" altLang="zh-CN"/>
+          </a:p>
+        </p:txBody>
+      </p:sp>
+      <p:pic>
+        <p:nvPicPr>
+          <p:cNvPr id="4" name="图片 3"/>
+          <p:cNvPicPr>
+            <a:picLocks noChangeAspect="1"/>
+          </p:cNvPicPr>
+          <p:nvPr/>
+        </p:nvPicPr>
+        <p:blipFill>
+          <a:blip r:embed="rId1"/>
+          <a:stretch>
+            <a:fillRect/>
+          </a:stretch>
+        </p:blipFill>
+        <p:spPr>
+          <a:xfrm>
+            <a:off x="1285875" y="2516505"/>
+            <a:ext cx="7583805" cy="3549015"/>
+          </a:xfrm>
+          <a:prstGeom prst="rect">
+            <a:avLst/>
+          </a:prstGeom>
+        </p:spPr>
+      </p:pic>
+    </p:spTree>
+  </p:cSld>
+  <p:clrMapOvr>
+    <a:masterClrMapping/>
+  </p:clrMapOvr>
+</p:sld>
+</file>
+
+<file path=ppt/slides/slide8.xml><?xml version="1.0" encoding="utf-8"?>
+<p:sld xmlns:a="http://schemas.openxmlformats.org/drawingml/2006/main" xmlns:r="http://schemas.openxmlformats.org/officeDocument/2006/relationships" xmlns:p="http://schemas.openxmlformats.org/presentationml/2006/main">
+  <p:cSld>
+    <p:spTree>
+      <p:nvGrpSpPr>
+        <p:cNvPr id="1" name=""/>
+        <p:cNvGrpSpPr/>
+        <p:nvPr/>
+      </p:nvGrpSpPr>
+      <p:grpSpPr/>
+      <p:sp>
+        <p:nvSpPr>
+          <p:cNvPr id="2" name="标题 1"/>
+          <p:cNvSpPr>
+            <a:spLocks noGrp="1"/>
+          </p:cNvSpPr>
+          <p:nvPr>
+            <p:ph type="title"/>
+          </p:nvPr>
+        </p:nvSpPr>
+        <p:spPr/>
+        <p:txBody>
+          <a:bodyPr/>
+          <a:p>
+            <a:r>
+              <a:rPr lang="x-none" altLang="zh-CN"/>
+              <a:t>菜单管理</a:t>
+            </a:r>
+            <a:endParaRPr lang="x-none" altLang="zh-CN"/>
+          </a:p>
+        </p:txBody>
+      </p:sp>
+      <p:sp>
+        <p:nvSpPr>
+          <p:cNvPr id="3" name="内容占位符 2"/>
+          <p:cNvSpPr>
+            <a:spLocks noGrp="1"/>
+          </p:cNvSpPr>
+          <p:nvPr>
+            <p:ph idx="1"/>
+          </p:nvPr>
+        </p:nvSpPr>
+        <p:spPr/>
+        <p:txBody>
+          <a:bodyPr/>
+          <a:p>
+            <a:r>
+              <a:rPr lang="x-none" altLang="zh-CN"/>
+              <a:t>添加食物菜单</a:t>
+            </a:r>
+            <a:endParaRPr lang="x-none" altLang="zh-CN"/>
+          </a:p>
+          <a:p>
+            <a:endParaRPr lang="x-none" altLang="zh-CN"/>
+          </a:p>
+        </p:txBody>
+      </p:sp>
+      <p:pic>
+        <p:nvPicPr>
+          <p:cNvPr id="4" name="图片 3"/>
+          <p:cNvPicPr>
+            <a:picLocks noChangeAspect="1"/>
+          </p:cNvPicPr>
+          <p:nvPr/>
+        </p:nvPicPr>
+        <p:blipFill>
+          <a:blip r:embed="rId1"/>
+          <a:stretch>
+            <a:fillRect/>
+          </a:stretch>
+        </p:blipFill>
+        <p:spPr>
+          <a:xfrm>
+            <a:off x="1544955" y="2635885"/>
+            <a:ext cx="7192645" cy="4043680"/>
+          </a:xfrm>
+          <a:prstGeom prst="rect">
+            <a:avLst/>
+          </a:prstGeom>
+        </p:spPr>
+      </p:pic>
+    </p:spTree>
+  </p:cSld>
+  <p:clrMapOvr>
+    <a:masterClrMapping/>
+  </p:clrMapOvr>
+</p:sld>
+</file>
+
+<file path=ppt/slides/slide9.xml><?xml version="1.0" encoding="utf-8"?>
+<p:sld xmlns:a="http://schemas.openxmlformats.org/drawingml/2006/main" xmlns:r="http://schemas.openxmlformats.org/officeDocument/2006/relationships" xmlns:p="http://schemas.openxmlformats.org/presentationml/2006/main">
+  <p:cSld>
+    <p:spTree>
+      <p:nvGrpSpPr>
+        <p:cNvPr id="1" name=""/>
+        <p:cNvGrpSpPr/>
+        <p:nvPr/>
+      </p:nvGrpSpPr>
+      <p:grpSpPr/>
+      <p:sp>
+        <p:nvSpPr>
+          <p:cNvPr id="2" name="标题 1"/>
+          <p:cNvSpPr>
+            <a:spLocks noGrp="1"/>
+          </p:cNvSpPr>
+          <p:nvPr>
+            <p:ph type="title"/>
+          </p:nvPr>
+        </p:nvSpPr>
+        <p:spPr/>
+        <p:txBody>
+          <a:bodyPr/>
+          <a:p>
+            <a:r>
+              <a:rPr lang="x-none" altLang="zh-CN"/>
+              <a:t>菜单管理</a:t>
+            </a:r>
+            <a:endParaRPr lang="x-none" altLang="zh-CN"/>
+          </a:p>
+        </p:txBody>
+      </p:sp>
+      <p:sp>
+        <p:nvSpPr>
+          <p:cNvPr id="3" name="内容占位符 2"/>
+          <p:cNvSpPr>
+            <a:spLocks noGrp="1"/>
+          </p:cNvSpPr>
+          <p:nvPr>
+            <p:ph idx="1"/>
+          </p:nvPr>
+        </p:nvSpPr>
+        <p:spPr/>
+        <p:txBody>
+          <a:bodyPr/>
+          <a:p>
+            <a:r>
+              <a:rPr lang="x-none" altLang="zh-CN"/>
+              <a:t>编辑菜单</a:t>
+            </a:r>
+            <a:endParaRPr lang="x-none" altLang="zh-CN"/>
+          </a:p>
+          <a:p>
+            <a:endParaRPr lang="x-none" altLang="zh-CN"/>
+          </a:p>
+        </p:txBody>
+      </p:sp>
+      <p:pic>
+        <p:nvPicPr>
+          <p:cNvPr id="4" name="图片 3"/>
+          <p:cNvPicPr>
+            <a:picLocks noChangeAspect="1"/>
+          </p:cNvPicPr>
+          <p:nvPr/>
+        </p:nvPicPr>
+        <p:blipFill>
+          <a:blip r:embed="rId1"/>
+          <a:stretch>
+            <a:fillRect/>
+          </a:stretch>
+        </p:blipFill>
+        <p:spPr>
+          <a:xfrm>
+            <a:off x="1031240" y="2568575"/>
+            <a:ext cx="7825105" cy="3617595"/>
+          </a:xfrm>
+          <a:prstGeom prst="rect">
+            <a:avLst/>
+          </a:prstGeom>
+        </p:spPr>
+      </p:pic>
     </p:spTree>
   </p:cSld>
   <p:clrMapOvr>
